--- a/122/OPSAWG/draft-opsawg-ipfix-on-path-telemetry.pptx
+++ b/122/OPSAWG/draft-opsawg-ipfix-on-path-telemetry.pptx
@@ -116,147 +116,224 @@
 </p:presentation>
 </file>
 
+<file path=ppt/revisionInfo.xml><?xml version="1.0" encoding="utf-8"?>
+<p1510:revInfo xmlns:a="http://schemas.openxmlformats.org/drawingml/2006/main" xmlns:r="http://schemas.openxmlformats.org/officeDocument/2006/relationships" xmlns:p1510="http://schemas.microsoft.com/office/powerpoint/2015/10/main">
+  <p1510:revLst>
+    <p1510:client id="{0F74785A-D399-4860-8E51-3EBCFA1219B9}" v="2" dt="2025-03-06T13:05:27.311"/>
+  </p1510:revLst>
+</p1510:revInfo>
+</file>
+
 <file path=ppt/changesInfos/changesInfo1.xml><?xml version="1.0" encoding="utf-8"?>
 <pc:chgInfo xmlns:a="http://schemas.openxmlformats.org/drawingml/2006/main" xmlns:r="http://schemas.openxmlformats.org/officeDocument/2006/relationships" xmlns:ac="http://schemas.microsoft.com/office/drawing/2013/main/command" xmlns:pc="http://schemas.microsoft.com/office/powerpoint/2013/main/command">
   <pc:docChgLst>
-    <pc:chgData name="Graf Thomas, INI-NET-DCF" userId="487bc3e3-9ce7-4cdd-b7b4-8899ea88d289" providerId="ADAL" clId="{D2D88D83-EF10-408A-A9AE-EEA2F4BC3522}"/>
-    <pc:docChg chg="custSel modSld">
-      <pc:chgData name="Graf Thomas, INI-NET-DCF" userId="487bc3e3-9ce7-4cdd-b7b4-8899ea88d289" providerId="ADAL" clId="{D2D88D83-EF10-408A-A9AE-EEA2F4BC3522}" dt="2020-06-13T11:16:48.674" v="47" actId="478"/>
+    <pc:chgData name="Graf Thomas, INI-NET-VNC-HCS" userId="487bc3e3-9ce7-4cdd-b7b4-8899ea88d289" providerId="ADAL" clId="{9017E611-F6E5-45E5-9BC5-410F9EDC6A92}"/>
+    <pc:docChg chg="modSld">
+      <pc:chgData name="Graf Thomas, INI-NET-VNC-HCS" userId="487bc3e3-9ce7-4cdd-b7b4-8899ea88d289" providerId="ADAL" clId="{9017E611-F6E5-45E5-9BC5-410F9EDC6A92}" dt="2023-07-24T20:09:15.911" v="72" actId="20577"/>
       <pc:docMkLst>
         <pc:docMk/>
       </pc:docMkLst>
-      <pc:sldChg chg="modSp">
-        <pc:chgData name="Graf Thomas, INI-NET-DCF" userId="487bc3e3-9ce7-4cdd-b7b4-8899ea88d289" providerId="ADAL" clId="{D2D88D83-EF10-408A-A9AE-EEA2F4BC3522}" dt="2020-06-13T11:08:48.535" v="11" actId="20577"/>
+      <pc:sldChg chg="modSp mod">
+        <pc:chgData name="Graf Thomas, INI-NET-VNC-HCS" userId="487bc3e3-9ce7-4cdd-b7b4-8899ea88d289" providerId="ADAL" clId="{9017E611-F6E5-45E5-9BC5-410F9EDC6A92}" dt="2023-07-24T20:08:34.922" v="37" actId="20577"/>
         <pc:sldMkLst>
           <pc:docMk/>
           <pc:sldMk cId="3578665336" sldId="1041"/>
         </pc:sldMkLst>
         <pc:spChg chg="mod">
-          <ac:chgData name="Graf Thomas, INI-NET-DCF" userId="487bc3e3-9ce7-4cdd-b7b4-8899ea88d289" providerId="ADAL" clId="{D2D88D83-EF10-408A-A9AE-EEA2F4BC3522}" dt="2020-06-13T11:08:48.535" v="11" actId="20577"/>
+          <ac:chgData name="Graf Thomas, INI-NET-VNC-HCS" userId="487bc3e3-9ce7-4cdd-b7b4-8899ea88d289" providerId="ADAL" clId="{9017E611-F6E5-45E5-9BC5-410F9EDC6A92}" dt="2023-07-24T20:08:34.922" v="37" actId="20577"/>
           <ac:spMkLst>
             <pc:docMk/>
             <pc:sldMk cId="3578665336" sldId="1041"/>
-            <ac:spMk id="6" creationId="{76B60DEE-AB49-47F4-AC01-C954634AD15B}"/>
+            <ac:spMk id="6" creationId="{6CAA0765-1318-4A03-8F91-D3ECC43D8FA7}"/>
           </ac:spMkLst>
         </pc:spChg>
       </pc:sldChg>
-      <pc:sldChg chg="addSp delSp modSp">
-        <pc:chgData name="Graf Thomas, INI-NET-DCF" userId="487bc3e3-9ce7-4cdd-b7b4-8899ea88d289" providerId="ADAL" clId="{D2D88D83-EF10-408A-A9AE-EEA2F4BC3522}" dt="2020-06-13T11:16:48.674" v="47" actId="478"/>
+      <pc:sldChg chg="modSp mod">
+        <pc:chgData name="Graf Thomas, INI-NET-VNC-HCS" userId="487bc3e3-9ce7-4cdd-b7b4-8899ea88d289" providerId="ADAL" clId="{9017E611-F6E5-45E5-9BC5-410F9EDC6A92}" dt="2023-07-24T20:09:15.911" v="72" actId="20577"/>
         <pc:sldMkLst>
           <pc:docMk/>
-          <pc:sldMk cId="4005888238" sldId="1046"/>
+          <pc:sldMk cId="958437681" sldId="26413"/>
         </pc:sldMkLst>
         <pc:spChg chg="mod">
-          <ac:chgData name="Graf Thomas, INI-NET-DCF" userId="487bc3e3-9ce7-4cdd-b7b4-8899ea88d289" providerId="ADAL" clId="{D2D88D83-EF10-408A-A9AE-EEA2F4BC3522}" dt="2020-06-13T11:09:08.297" v="12" actId="33524"/>
-          <ac:spMkLst>
-            <pc:docMk/>
-            <pc:sldMk cId="4005888238" sldId="1046"/>
+          <ac:chgData name="Graf Thomas, INI-NET-VNC-HCS" userId="487bc3e3-9ce7-4cdd-b7b4-8899ea88d289" providerId="ADAL" clId="{9017E611-F6E5-45E5-9BC5-410F9EDC6A92}" dt="2023-07-24T20:09:08.476" v="70" actId="6549"/>
+          <ac:spMkLst>
+            <pc:docMk/>
+            <pc:sldMk cId="958437681" sldId="26413"/>
             <ac:spMk id="3" creationId="{29C0DFD4-432D-4B0C-93DF-790441DCF5B9}"/>
           </ac:spMkLst>
         </pc:spChg>
         <pc:spChg chg="mod">
-          <ac:chgData name="Graf Thomas, INI-NET-DCF" userId="487bc3e3-9ce7-4cdd-b7b4-8899ea88d289" providerId="ADAL" clId="{D2D88D83-EF10-408A-A9AE-EEA2F4BC3522}" dt="2020-06-13T11:15:30.435" v="34" actId="14100"/>
-          <ac:spMkLst>
-            <pc:docMk/>
-            <pc:sldMk cId="4005888238" sldId="1046"/>
-            <ac:spMk id="17" creationId="{3A749B68-71C0-48BE-AEC2-F59082F0DB29}"/>
-          </ac:spMkLst>
-        </pc:spChg>
-        <pc:spChg chg="mod">
-          <ac:chgData name="Graf Thomas, INI-NET-DCF" userId="487bc3e3-9ce7-4cdd-b7b4-8899ea88d289" providerId="ADAL" clId="{D2D88D83-EF10-408A-A9AE-EEA2F4BC3522}" dt="2020-06-13T11:15:32.890" v="35" actId="14100"/>
-          <ac:spMkLst>
-            <pc:docMk/>
-            <pc:sldMk cId="4005888238" sldId="1046"/>
-            <ac:spMk id="19" creationId="{6980766F-6C98-4BA9-847A-7685BC1CF66D}"/>
-          </ac:spMkLst>
-        </pc:spChg>
-        <pc:spChg chg="mod">
-          <ac:chgData name="Graf Thomas, INI-NET-DCF" userId="487bc3e3-9ce7-4cdd-b7b4-8899ea88d289" providerId="ADAL" clId="{D2D88D83-EF10-408A-A9AE-EEA2F4BC3522}" dt="2020-06-13T11:16:09.318" v="40" actId="14100"/>
-          <ac:spMkLst>
-            <pc:docMk/>
-            <pc:sldMk cId="4005888238" sldId="1046"/>
-            <ac:spMk id="20" creationId="{AB282471-93EB-426D-A00D-74CF8E43C8B1}"/>
-          </ac:spMkLst>
-        </pc:spChg>
-        <pc:spChg chg="mod">
-          <ac:chgData name="Graf Thomas, INI-NET-DCF" userId="487bc3e3-9ce7-4cdd-b7b4-8899ea88d289" providerId="ADAL" clId="{D2D88D83-EF10-408A-A9AE-EEA2F4BC3522}" dt="2020-06-13T11:16:06.012" v="38" actId="14100"/>
-          <ac:spMkLst>
-            <pc:docMk/>
-            <pc:sldMk cId="4005888238" sldId="1046"/>
-            <ac:spMk id="21" creationId="{9398FE24-ED6E-48F4-B7D6-B59764DFE773}"/>
-          </ac:spMkLst>
-        </pc:spChg>
-        <pc:spChg chg="mod">
-          <ac:chgData name="Graf Thomas, INI-NET-DCF" userId="487bc3e3-9ce7-4cdd-b7b4-8899ea88d289" providerId="ADAL" clId="{D2D88D83-EF10-408A-A9AE-EEA2F4BC3522}" dt="2020-06-13T11:16:03.740" v="37" actId="14100"/>
-          <ac:spMkLst>
-            <pc:docMk/>
-            <pc:sldMk cId="4005888238" sldId="1046"/>
-            <ac:spMk id="22" creationId="{CDD81C07-5F4F-4F36-9821-B8674C794890}"/>
-          </ac:spMkLst>
-        </pc:spChg>
-        <pc:spChg chg="mod">
-          <ac:chgData name="Graf Thomas, INI-NET-DCF" userId="487bc3e3-9ce7-4cdd-b7b4-8899ea88d289" providerId="ADAL" clId="{D2D88D83-EF10-408A-A9AE-EEA2F4BC3522}" dt="2020-06-13T11:15:36.084" v="36" actId="14100"/>
-          <ac:spMkLst>
-            <pc:docMk/>
-            <pc:sldMk cId="4005888238" sldId="1046"/>
-            <ac:spMk id="23" creationId="{9CFD2FD5-7390-4BA6-905C-64474D60494A}"/>
-          </ac:spMkLst>
-        </pc:spChg>
-        <pc:cxnChg chg="add del mod">
-          <ac:chgData name="Graf Thomas, INI-NET-DCF" userId="487bc3e3-9ce7-4cdd-b7b4-8899ea88d289" providerId="ADAL" clId="{D2D88D83-EF10-408A-A9AE-EEA2F4BC3522}" dt="2020-06-13T11:16:30.836" v="43" actId="478"/>
-          <ac:cxnSpMkLst>
-            <pc:docMk/>
-            <pc:sldMk cId="4005888238" sldId="1046"/>
-            <ac:cxnSpMk id="29" creationId="{E594F5AA-B9BB-4DE7-B2A3-7566320256B3}"/>
-          </ac:cxnSpMkLst>
-        </pc:cxnChg>
-        <pc:cxnChg chg="add del mod">
-          <ac:chgData name="Graf Thomas, INI-NET-DCF" userId="487bc3e3-9ce7-4cdd-b7b4-8899ea88d289" providerId="ADAL" clId="{D2D88D83-EF10-408A-A9AE-EEA2F4BC3522}" dt="2020-06-13T11:16:48.674" v="47" actId="478"/>
-          <ac:cxnSpMkLst>
-            <pc:docMk/>
-            <pc:sldMk cId="4005888238" sldId="1046"/>
-            <ac:cxnSpMk id="30" creationId="{B7A7383F-DE4A-4281-A40B-35EAF0EE26D9}"/>
-          </ac:cxnSpMkLst>
-        </pc:cxnChg>
+          <ac:chgData name="Graf Thomas, INI-NET-VNC-HCS" userId="487bc3e3-9ce7-4cdd-b7b4-8899ea88d289" providerId="ADAL" clId="{9017E611-F6E5-45E5-9BC5-410F9EDC6A92}" dt="2023-07-24T20:09:15.911" v="72" actId="20577"/>
+          <ac:spMkLst>
+            <pc:docMk/>
+            <pc:sldMk cId="958437681" sldId="26413"/>
+            <ac:spMk id="4" creationId="{379EB07A-5D4A-0443-6963-4EF909AAC4B3}"/>
+          </ac:spMkLst>
+        </pc:spChg>
       </pc:sldChg>
-      <pc:sldChg chg="modSp">
-        <pc:chgData name="Graf Thomas, INI-NET-DCF" userId="487bc3e3-9ce7-4cdd-b7b4-8899ea88d289" providerId="ADAL" clId="{D2D88D83-EF10-408A-A9AE-EEA2F4BC3522}" dt="2020-06-13T11:09:36.597" v="24" actId="20577"/>
+      <pc:sldChg chg="modSp mod">
+        <pc:chgData name="Graf Thomas, INI-NET-VNC-HCS" userId="487bc3e3-9ce7-4cdd-b7b4-8899ea88d289" providerId="ADAL" clId="{9017E611-F6E5-45E5-9BC5-410F9EDC6A92}" dt="2023-07-24T20:08:53.078" v="65" actId="20577"/>
         <pc:sldMkLst>
           <pc:docMk/>
-          <pc:sldMk cId="3529422000" sldId="1048"/>
+          <pc:sldMk cId="3708108621" sldId="26416"/>
         </pc:sldMkLst>
         <pc:spChg chg="mod">
-          <ac:chgData name="Graf Thomas, INI-NET-DCF" userId="487bc3e3-9ce7-4cdd-b7b4-8899ea88d289" providerId="ADAL" clId="{D2D88D83-EF10-408A-A9AE-EEA2F4BC3522}" dt="2020-06-13T11:09:36.597" v="24" actId="20577"/>
-          <ac:spMkLst>
-            <pc:docMk/>
-            <pc:sldMk cId="3529422000" sldId="1048"/>
-            <ac:spMk id="6" creationId="{76B60DEE-AB49-47F4-AC01-C954634AD15B}"/>
+          <ac:chgData name="Graf Thomas, INI-NET-VNC-HCS" userId="487bc3e3-9ce7-4cdd-b7b4-8899ea88d289" providerId="ADAL" clId="{9017E611-F6E5-45E5-9BC5-410F9EDC6A92}" dt="2023-07-24T20:08:53.078" v="65" actId="20577"/>
+          <ac:spMkLst>
+            <pc:docMk/>
+            <pc:sldMk cId="3708108621" sldId="26416"/>
+            <ac:spMk id="3" creationId="{29C0DFD4-432D-4B0C-93DF-790441DCF5B9}"/>
+          </ac:spMkLst>
+        </pc:spChg>
+        <pc:spChg chg="mod">
+          <ac:chgData name="Graf Thomas, INI-NET-VNC-HCS" userId="487bc3e3-9ce7-4cdd-b7b4-8899ea88d289" providerId="ADAL" clId="{9017E611-F6E5-45E5-9BC5-410F9EDC6A92}" dt="2023-07-24T20:08:31.093" v="35" actId="20577"/>
+          <ac:spMkLst>
+            <pc:docMk/>
+            <pc:sldMk cId="3708108621" sldId="26416"/>
+            <ac:spMk id="4" creationId="{93744C72-514D-9234-35A7-D1F94B85F4EF}"/>
           </ac:spMkLst>
         </pc:spChg>
       </pc:sldChg>
     </pc:docChg>
   </pc:docChgLst>
   <pc:docChgLst>
-    <pc:chgData name="Graf Thomas, INI-NET-DCF" userId="487bc3e3-9ce7-4cdd-b7b4-8899ea88d289" providerId="ADAL" clId="{36E6DFBC-EB3C-4D3C-97F7-C6A855FFE787}"/>
-    <pc:docChg chg="modSld">
-      <pc:chgData name="Graf Thomas, INI-NET-DCF" userId="487bc3e3-9ce7-4cdd-b7b4-8899ea88d289" providerId="ADAL" clId="{36E6DFBC-EB3C-4D3C-97F7-C6A855FFE787}" dt="2020-07-27T12:02:41.304" v="1" actId="20577"/>
+    <pc:chgData name="Graf Thomas, INI-NET-TCZ-ZH1" userId="487bc3e3-9ce7-4cdd-b7b4-8899ea88d289" providerId="ADAL" clId="{7C1D34EF-CEA2-4154-BF78-1DCB1789E4C5}"/>
+    <pc:docChg chg="undo custSel addSld delSld modSld">
+      <pc:chgData name="Graf Thomas, INI-NET-TCZ-ZH1" userId="487bc3e3-9ce7-4cdd-b7b4-8899ea88d289" providerId="ADAL" clId="{7C1D34EF-CEA2-4154-BF78-1DCB1789E4C5}" dt="2022-07-28T15:18:58.663" v="173" actId="113"/>
       <pc:docMkLst>
         <pc:docMk/>
       </pc:docMkLst>
-      <pc:sldChg chg="modSp">
-        <pc:chgData name="Graf Thomas, INI-NET-DCF" userId="487bc3e3-9ce7-4cdd-b7b4-8899ea88d289" providerId="ADAL" clId="{36E6DFBC-EB3C-4D3C-97F7-C6A855FFE787}" dt="2020-07-27T12:02:41.304" v="1" actId="20577"/>
+      <pc:sldChg chg="modSp mod">
+        <pc:chgData name="Graf Thomas, INI-NET-TCZ-ZH1" userId="487bc3e3-9ce7-4cdd-b7b4-8899ea88d289" providerId="ADAL" clId="{7C1D34EF-CEA2-4154-BF78-1DCB1789E4C5}" dt="2022-07-28T15:08:00.167" v="5" actId="20577"/>
         <pc:sldMkLst>
           <pc:docMk/>
-          <pc:sldMk cId="3529422000" sldId="1048"/>
+          <pc:sldMk cId="3578665336" sldId="1041"/>
         </pc:sldMkLst>
         <pc:spChg chg="mod">
-          <ac:chgData name="Graf Thomas, INI-NET-DCF" userId="487bc3e3-9ce7-4cdd-b7b4-8899ea88d289" providerId="ADAL" clId="{36E6DFBC-EB3C-4D3C-97F7-C6A855FFE787}" dt="2020-07-27T12:02:41.304" v="1" actId="20577"/>
-          <ac:spMkLst>
-            <pc:docMk/>
-            <pc:sldMk cId="3529422000" sldId="1048"/>
+          <ac:chgData name="Graf Thomas, INI-NET-TCZ-ZH1" userId="487bc3e3-9ce7-4cdd-b7b4-8899ea88d289" providerId="ADAL" clId="{7C1D34EF-CEA2-4154-BF78-1DCB1789E4C5}" dt="2022-07-28T15:07:55.513" v="1" actId="20577"/>
+          <ac:spMkLst>
+            <pc:docMk/>
+            <pc:sldMk cId="3578665336" sldId="1041"/>
             <ac:spMk id="5" creationId="{C26208B2-0D10-4C23-B2DE-372A62E98644}"/>
           </ac:spMkLst>
         </pc:spChg>
+        <pc:spChg chg="mod">
+          <ac:chgData name="Graf Thomas, INI-NET-TCZ-ZH1" userId="487bc3e3-9ce7-4cdd-b7b4-8899ea88d289" providerId="ADAL" clId="{7C1D34EF-CEA2-4154-BF78-1DCB1789E4C5}" dt="2022-07-28T15:08:00.167" v="5" actId="20577"/>
+          <ac:spMkLst>
+            <pc:docMk/>
+            <pc:sldMk cId="3578665336" sldId="1041"/>
+            <ac:spMk id="6" creationId="{6CAA0765-1318-4A03-8F91-D3ECC43D8FA7}"/>
+          </ac:spMkLst>
+        </pc:spChg>
+      </pc:sldChg>
+      <pc:sldChg chg="addSp delSp modSp mod">
+        <pc:chgData name="Graf Thomas, INI-NET-TCZ-ZH1" userId="487bc3e3-9ce7-4cdd-b7b4-8899ea88d289" providerId="ADAL" clId="{7C1D34EF-CEA2-4154-BF78-1DCB1789E4C5}" dt="2022-07-28T15:17:06.002" v="69" actId="20577"/>
+        <pc:sldMkLst>
+          <pc:docMk/>
+          <pc:sldMk cId="728278235" sldId="1053"/>
+        </pc:sldMkLst>
+        <pc:spChg chg="mod">
+          <ac:chgData name="Graf Thomas, INI-NET-TCZ-ZH1" userId="487bc3e3-9ce7-4cdd-b7b4-8899ea88d289" providerId="ADAL" clId="{7C1D34EF-CEA2-4154-BF78-1DCB1789E4C5}" dt="2022-07-28T15:17:06.002" v="69" actId="20577"/>
+          <ac:spMkLst>
+            <pc:docMk/>
+            <pc:sldMk cId="728278235" sldId="1053"/>
+            <ac:spMk id="3" creationId="{29C0DFD4-432D-4B0C-93DF-790441DCF5B9}"/>
+          </ac:spMkLst>
+        </pc:spChg>
+        <pc:picChg chg="add del mod">
+          <ac:chgData name="Graf Thomas, INI-NET-TCZ-ZH1" userId="487bc3e3-9ce7-4cdd-b7b4-8899ea88d289" providerId="ADAL" clId="{7C1D34EF-CEA2-4154-BF78-1DCB1789E4C5}" dt="2022-07-28T15:10:11.394" v="16" actId="478"/>
+          <ac:picMkLst>
+            <pc:docMk/>
+            <pc:sldMk cId="728278235" sldId="1053"/>
+            <ac:picMk id="5" creationId="{00FB2CC6-B16D-4037-A221-279CE3E497B5}"/>
+          </ac:picMkLst>
+        </pc:picChg>
+        <pc:picChg chg="del">
+          <ac:chgData name="Graf Thomas, INI-NET-TCZ-ZH1" userId="487bc3e3-9ce7-4cdd-b7b4-8899ea88d289" providerId="ADAL" clId="{7C1D34EF-CEA2-4154-BF78-1DCB1789E4C5}" dt="2022-07-28T15:09:52.272" v="10" actId="478"/>
+          <ac:picMkLst>
+            <pc:docMk/>
+            <pc:sldMk cId="728278235" sldId="1053"/>
+            <ac:picMk id="6" creationId="{6054F088-8D4E-4189-829C-1B22E5CEB81A}"/>
+          </ac:picMkLst>
+        </pc:picChg>
+        <pc:picChg chg="add mod">
+          <ac:chgData name="Graf Thomas, INI-NET-TCZ-ZH1" userId="487bc3e3-9ce7-4cdd-b7b4-8899ea88d289" providerId="ADAL" clId="{7C1D34EF-CEA2-4154-BF78-1DCB1789E4C5}" dt="2022-07-28T15:10:22.134" v="21" actId="1076"/>
+          <ac:picMkLst>
+            <pc:docMk/>
+            <pc:sldMk cId="728278235" sldId="1053"/>
+            <ac:picMk id="8" creationId="{76EAF276-B346-4EFE-A473-E5A230C47F47}"/>
+          </ac:picMkLst>
+        </pc:picChg>
+      </pc:sldChg>
+      <pc:sldChg chg="addSp delSp modSp add del mod">
+        <pc:chgData name="Graf Thomas, INI-NET-TCZ-ZH1" userId="487bc3e3-9ce7-4cdd-b7b4-8899ea88d289" providerId="ADAL" clId="{7C1D34EF-CEA2-4154-BF78-1DCB1789E4C5}" dt="2022-07-28T15:18:58.663" v="173" actId="113"/>
+        <pc:sldMkLst>
+          <pc:docMk/>
+          <pc:sldMk cId="982353549" sldId="26412"/>
+        </pc:sldMkLst>
+        <pc:spChg chg="mod">
+          <ac:chgData name="Graf Thomas, INI-NET-TCZ-ZH1" userId="487bc3e3-9ce7-4cdd-b7b4-8899ea88d289" providerId="ADAL" clId="{7C1D34EF-CEA2-4154-BF78-1DCB1789E4C5}" dt="2022-07-28T15:18:58.663" v="173" actId="113"/>
+          <ac:spMkLst>
+            <pc:docMk/>
+            <pc:sldMk cId="982353549" sldId="26412"/>
+            <ac:spMk id="3" creationId="{29C0DFD4-432D-4B0C-93DF-790441DCF5B9}"/>
+          </ac:spMkLst>
+        </pc:spChg>
+        <pc:spChg chg="add del">
+          <ac:chgData name="Graf Thomas, INI-NET-TCZ-ZH1" userId="487bc3e3-9ce7-4cdd-b7b4-8899ea88d289" providerId="ADAL" clId="{7C1D34EF-CEA2-4154-BF78-1DCB1789E4C5}" dt="2022-07-28T15:15:26.794" v="42"/>
+          <ac:spMkLst>
+            <pc:docMk/>
+            <pc:sldMk cId="982353549" sldId="26412"/>
+            <ac:spMk id="9" creationId="{6AC8985A-63D5-4822-B626-C7853D824662}"/>
+          </ac:spMkLst>
+        </pc:spChg>
+        <pc:picChg chg="del">
+          <ac:chgData name="Graf Thomas, INI-NET-TCZ-ZH1" userId="487bc3e3-9ce7-4cdd-b7b4-8899ea88d289" providerId="ADAL" clId="{7C1D34EF-CEA2-4154-BF78-1DCB1789E4C5}" dt="2022-07-28T15:11:43.615" v="22" actId="478"/>
+          <ac:picMkLst>
+            <pc:docMk/>
+            <pc:sldMk cId="982353549" sldId="26412"/>
+            <ac:picMk id="5" creationId="{DC7CD995-EE64-4785-8045-4B7C44938076}"/>
+          </ac:picMkLst>
+        </pc:picChg>
+        <pc:picChg chg="add del mod">
+          <ac:chgData name="Graf Thomas, INI-NET-TCZ-ZH1" userId="487bc3e3-9ce7-4cdd-b7b4-8899ea88d289" providerId="ADAL" clId="{7C1D34EF-CEA2-4154-BF78-1DCB1789E4C5}" dt="2022-07-28T15:13:55.526" v="32" actId="478"/>
+          <ac:picMkLst>
+            <pc:docMk/>
+            <pc:sldMk cId="982353549" sldId="26412"/>
+            <ac:picMk id="6" creationId="{2462F735-170B-452A-B18E-37D5BF97797B}"/>
+          </ac:picMkLst>
+        </pc:picChg>
+        <pc:picChg chg="add del mod">
+          <ac:chgData name="Graf Thomas, INI-NET-TCZ-ZH1" userId="487bc3e3-9ce7-4cdd-b7b4-8899ea88d289" providerId="ADAL" clId="{7C1D34EF-CEA2-4154-BF78-1DCB1789E4C5}" dt="2022-07-28T15:14:50.592" v="39" actId="1076"/>
+          <ac:picMkLst>
+            <pc:docMk/>
+            <pc:sldMk cId="982353549" sldId="26412"/>
+            <ac:picMk id="8" creationId="{FC511AB1-E996-44EB-90E9-D57B66FBC73C}"/>
+          </ac:picMkLst>
+        </pc:picChg>
+      </pc:sldChg>
+      <pc:sldChg chg="addSp delSp modSp mod">
+        <pc:chgData name="Graf Thomas, INI-NET-TCZ-ZH1" userId="487bc3e3-9ce7-4cdd-b7b4-8899ea88d289" providerId="ADAL" clId="{7C1D34EF-CEA2-4154-BF78-1DCB1789E4C5}" dt="2022-07-28T15:13:50.913" v="30" actId="22"/>
+        <pc:sldMkLst>
+          <pc:docMk/>
+          <pc:sldMk cId="958437681" sldId="26413"/>
+        </pc:sldMkLst>
+        <pc:spChg chg="mod">
+          <ac:chgData name="Graf Thomas, INI-NET-TCZ-ZH1" userId="487bc3e3-9ce7-4cdd-b7b4-8899ea88d289" providerId="ADAL" clId="{7C1D34EF-CEA2-4154-BF78-1DCB1789E4C5}" dt="2022-07-28T15:08:20.663" v="9" actId="20577"/>
+          <ac:spMkLst>
+            <pc:docMk/>
+            <pc:sldMk cId="958437681" sldId="26413"/>
+            <ac:spMk id="7" creationId="{BF6DCC5D-2508-4A9B-B734-C8C5147F93FB}"/>
+          </ac:spMkLst>
+        </pc:spChg>
+        <pc:picChg chg="add del">
+          <ac:chgData name="Graf Thomas, INI-NET-TCZ-ZH1" userId="487bc3e3-9ce7-4cdd-b7b4-8899ea88d289" providerId="ADAL" clId="{7C1D34EF-CEA2-4154-BF78-1DCB1789E4C5}" dt="2022-07-28T15:13:50.913" v="30" actId="22"/>
+          <ac:picMkLst>
+            <pc:docMk/>
+            <pc:sldMk cId="958437681" sldId="26413"/>
+            <ac:picMk id="5" creationId="{DFF0268C-A4B5-42E5-BB84-1E7CCA77A167}"/>
+          </ac:picMkLst>
+        </pc:picChg>
       </pc:sldChg>
     </pc:docChg>
   </pc:docChgLst>
@@ -604,20 +681,20 @@
     </pc:docChg>
   </pc:docChgLst>
   <pc:docChgLst>
-    <pc:chgData name="Graf Thomas, INI-NET-TCZ-ZH1" userId="487bc3e3-9ce7-4cdd-b7b4-8899ea88d289" providerId="ADAL" clId="{7C1D34EF-CEA2-4154-BF78-1DCB1789E4C5}"/>
-    <pc:docChg chg="undo custSel addSld delSld modSld">
-      <pc:chgData name="Graf Thomas, INI-NET-TCZ-ZH1" userId="487bc3e3-9ce7-4cdd-b7b4-8899ea88d289" providerId="ADAL" clId="{7C1D34EF-CEA2-4154-BF78-1DCB1789E4C5}" dt="2022-07-28T15:18:58.663" v="173" actId="113"/>
+    <pc:chgData name="Graf Thomas, INI-NET-VNC-E2E" userId="487bc3e3-9ce7-4cdd-b7b4-8899ea88d289" providerId="ADAL" clId="{0F74785A-D399-4860-8E51-3EBCFA1219B9}"/>
+    <pc:docChg chg="modSld">
+      <pc:chgData name="Graf Thomas, INI-NET-VNC-E2E" userId="487bc3e3-9ce7-4cdd-b7b4-8899ea88d289" providerId="ADAL" clId="{0F74785A-D399-4860-8E51-3EBCFA1219B9}" dt="2025-03-06T13:06:46.859" v="223" actId="20577"/>
       <pc:docMkLst>
         <pc:docMk/>
       </pc:docMkLst>
       <pc:sldChg chg="modSp mod">
-        <pc:chgData name="Graf Thomas, INI-NET-TCZ-ZH1" userId="487bc3e3-9ce7-4cdd-b7b4-8899ea88d289" providerId="ADAL" clId="{7C1D34EF-CEA2-4154-BF78-1DCB1789E4C5}" dt="2022-07-28T15:08:00.167" v="5" actId="20577"/>
+        <pc:chgData name="Graf Thomas, INI-NET-VNC-E2E" userId="487bc3e3-9ce7-4cdd-b7b4-8899ea88d289" providerId="ADAL" clId="{0F74785A-D399-4860-8E51-3EBCFA1219B9}" dt="2025-03-06T13:03:56.534" v="3" actId="20577"/>
         <pc:sldMkLst>
           <pc:docMk/>
           <pc:sldMk cId="3578665336" sldId="1041"/>
         </pc:sldMkLst>
         <pc:spChg chg="mod">
-          <ac:chgData name="Graf Thomas, INI-NET-TCZ-ZH1" userId="487bc3e3-9ce7-4cdd-b7b4-8899ea88d289" providerId="ADAL" clId="{7C1D34EF-CEA2-4154-BF78-1DCB1789E4C5}" dt="2022-07-28T15:07:55.513" v="1" actId="20577"/>
+          <ac:chgData name="Graf Thomas, INI-NET-VNC-E2E" userId="487bc3e3-9ce7-4cdd-b7b4-8899ea88d289" providerId="ADAL" clId="{0F74785A-D399-4860-8E51-3EBCFA1219B9}" dt="2025-03-06T13:03:53.745" v="1" actId="20577"/>
           <ac:spMkLst>
             <pc:docMk/>
             <pc:sldMk cId="3578665336" sldId="1041"/>
@@ -625,7 +702,7 @@
           </ac:spMkLst>
         </pc:spChg>
         <pc:spChg chg="mod">
-          <ac:chgData name="Graf Thomas, INI-NET-TCZ-ZH1" userId="487bc3e3-9ce7-4cdd-b7b4-8899ea88d289" providerId="ADAL" clId="{7C1D34EF-CEA2-4154-BF78-1DCB1789E4C5}" dt="2022-07-28T15:08:00.167" v="5" actId="20577"/>
+          <ac:chgData name="Graf Thomas, INI-NET-VNC-E2E" userId="487bc3e3-9ce7-4cdd-b7b4-8899ea88d289" providerId="ADAL" clId="{0F74785A-D399-4860-8E51-3EBCFA1219B9}" dt="2025-03-06T13:03:56.534" v="3" actId="20577"/>
           <ac:spMkLst>
             <pc:docMk/>
             <pc:sldMk cId="3578665336" sldId="1041"/>
@@ -633,114 +710,28 @@
           </ac:spMkLst>
         </pc:spChg>
       </pc:sldChg>
-      <pc:sldChg chg="addSp delSp modSp mod">
-        <pc:chgData name="Graf Thomas, INI-NET-TCZ-ZH1" userId="487bc3e3-9ce7-4cdd-b7b4-8899ea88d289" providerId="ADAL" clId="{7C1D34EF-CEA2-4154-BF78-1DCB1789E4C5}" dt="2022-07-28T15:17:06.002" v="69" actId="20577"/>
-        <pc:sldMkLst>
-          <pc:docMk/>
-          <pc:sldMk cId="728278235" sldId="1053"/>
-        </pc:sldMkLst>
-        <pc:spChg chg="mod">
-          <ac:chgData name="Graf Thomas, INI-NET-TCZ-ZH1" userId="487bc3e3-9ce7-4cdd-b7b4-8899ea88d289" providerId="ADAL" clId="{7C1D34EF-CEA2-4154-BF78-1DCB1789E4C5}" dt="2022-07-28T15:17:06.002" v="69" actId="20577"/>
-          <ac:spMkLst>
-            <pc:docMk/>
-            <pc:sldMk cId="728278235" sldId="1053"/>
-            <ac:spMk id="3" creationId="{29C0DFD4-432D-4B0C-93DF-790441DCF5B9}"/>
-          </ac:spMkLst>
-        </pc:spChg>
-        <pc:picChg chg="add del mod">
-          <ac:chgData name="Graf Thomas, INI-NET-TCZ-ZH1" userId="487bc3e3-9ce7-4cdd-b7b4-8899ea88d289" providerId="ADAL" clId="{7C1D34EF-CEA2-4154-BF78-1DCB1789E4C5}" dt="2022-07-28T15:10:11.394" v="16" actId="478"/>
-          <ac:picMkLst>
-            <pc:docMk/>
-            <pc:sldMk cId="728278235" sldId="1053"/>
-            <ac:picMk id="5" creationId="{00FB2CC6-B16D-4037-A221-279CE3E497B5}"/>
-          </ac:picMkLst>
-        </pc:picChg>
-        <pc:picChg chg="del">
-          <ac:chgData name="Graf Thomas, INI-NET-TCZ-ZH1" userId="487bc3e3-9ce7-4cdd-b7b4-8899ea88d289" providerId="ADAL" clId="{7C1D34EF-CEA2-4154-BF78-1DCB1789E4C5}" dt="2022-07-28T15:09:52.272" v="10" actId="478"/>
-          <ac:picMkLst>
-            <pc:docMk/>
-            <pc:sldMk cId="728278235" sldId="1053"/>
-            <ac:picMk id="6" creationId="{6054F088-8D4E-4189-829C-1B22E5CEB81A}"/>
-          </ac:picMkLst>
-        </pc:picChg>
-        <pc:picChg chg="add mod">
-          <ac:chgData name="Graf Thomas, INI-NET-TCZ-ZH1" userId="487bc3e3-9ce7-4cdd-b7b4-8899ea88d289" providerId="ADAL" clId="{7C1D34EF-CEA2-4154-BF78-1DCB1789E4C5}" dt="2022-07-28T15:10:22.134" v="21" actId="1076"/>
-          <ac:picMkLst>
-            <pc:docMk/>
-            <pc:sldMk cId="728278235" sldId="1053"/>
-            <ac:picMk id="8" creationId="{76EAF276-B346-4EFE-A473-E5A230C47F47}"/>
-          </ac:picMkLst>
-        </pc:picChg>
-      </pc:sldChg>
-      <pc:sldChg chg="addSp delSp modSp add del mod">
-        <pc:chgData name="Graf Thomas, INI-NET-TCZ-ZH1" userId="487bc3e3-9ce7-4cdd-b7b4-8899ea88d289" providerId="ADAL" clId="{7C1D34EF-CEA2-4154-BF78-1DCB1789E4C5}" dt="2022-07-28T15:18:58.663" v="173" actId="113"/>
-        <pc:sldMkLst>
-          <pc:docMk/>
-          <pc:sldMk cId="982353549" sldId="26412"/>
-        </pc:sldMkLst>
-        <pc:spChg chg="mod">
-          <ac:chgData name="Graf Thomas, INI-NET-TCZ-ZH1" userId="487bc3e3-9ce7-4cdd-b7b4-8899ea88d289" providerId="ADAL" clId="{7C1D34EF-CEA2-4154-BF78-1DCB1789E4C5}" dt="2022-07-28T15:18:58.663" v="173" actId="113"/>
-          <ac:spMkLst>
-            <pc:docMk/>
-            <pc:sldMk cId="982353549" sldId="26412"/>
-            <ac:spMk id="3" creationId="{29C0DFD4-432D-4B0C-93DF-790441DCF5B9}"/>
-          </ac:spMkLst>
-        </pc:spChg>
-        <pc:spChg chg="add del">
-          <ac:chgData name="Graf Thomas, INI-NET-TCZ-ZH1" userId="487bc3e3-9ce7-4cdd-b7b4-8899ea88d289" providerId="ADAL" clId="{7C1D34EF-CEA2-4154-BF78-1DCB1789E4C5}" dt="2022-07-28T15:15:26.794" v="42"/>
-          <ac:spMkLst>
-            <pc:docMk/>
-            <pc:sldMk cId="982353549" sldId="26412"/>
-            <ac:spMk id="9" creationId="{6AC8985A-63D5-4822-B626-C7853D824662}"/>
-          </ac:spMkLst>
-        </pc:spChg>
-        <pc:picChg chg="del">
-          <ac:chgData name="Graf Thomas, INI-NET-TCZ-ZH1" userId="487bc3e3-9ce7-4cdd-b7b4-8899ea88d289" providerId="ADAL" clId="{7C1D34EF-CEA2-4154-BF78-1DCB1789E4C5}" dt="2022-07-28T15:11:43.615" v="22" actId="478"/>
-          <ac:picMkLst>
-            <pc:docMk/>
-            <pc:sldMk cId="982353549" sldId="26412"/>
-            <ac:picMk id="5" creationId="{DC7CD995-EE64-4785-8045-4B7C44938076}"/>
-          </ac:picMkLst>
-        </pc:picChg>
-        <pc:picChg chg="add del mod">
-          <ac:chgData name="Graf Thomas, INI-NET-TCZ-ZH1" userId="487bc3e3-9ce7-4cdd-b7b4-8899ea88d289" providerId="ADAL" clId="{7C1D34EF-CEA2-4154-BF78-1DCB1789E4C5}" dt="2022-07-28T15:13:55.526" v="32" actId="478"/>
-          <ac:picMkLst>
-            <pc:docMk/>
-            <pc:sldMk cId="982353549" sldId="26412"/>
-            <ac:picMk id="6" creationId="{2462F735-170B-452A-B18E-37D5BF97797B}"/>
-          </ac:picMkLst>
-        </pc:picChg>
-        <pc:picChg chg="add del mod">
-          <ac:chgData name="Graf Thomas, INI-NET-TCZ-ZH1" userId="487bc3e3-9ce7-4cdd-b7b4-8899ea88d289" providerId="ADAL" clId="{7C1D34EF-CEA2-4154-BF78-1DCB1789E4C5}" dt="2022-07-28T15:14:50.592" v="39" actId="1076"/>
-          <ac:picMkLst>
-            <pc:docMk/>
-            <pc:sldMk cId="982353549" sldId="26412"/>
-            <ac:picMk id="8" creationId="{FC511AB1-E996-44EB-90E9-D57B66FBC73C}"/>
-          </ac:picMkLst>
-        </pc:picChg>
-      </pc:sldChg>
-      <pc:sldChg chg="addSp delSp modSp mod">
-        <pc:chgData name="Graf Thomas, INI-NET-TCZ-ZH1" userId="487bc3e3-9ce7-4cdd-b7b4-8899ea88d289" providerId="ADAL" clId="{7C1D34EF-CEA2-4154-BF78-1DCB1789E4C5}" dt="2022-07-28T15:13:50.913" v="30" actId="22"/>
+      <pc:sldChg chg="modSp mod">
+        <pc:chgData name="Graf Thomas, INI-NET-VNC-E2E" userId="487bc3e3-9ce7-4cdd-b7b4-8899ea88d289" providerId="ADAL" clId="{0F74785A-D399-4860-8E51-3EBCFA1219B9}" dt="2025-03-06T13:06:46.859" v="223" actId="20577"/>
         <pc:sldMkLst>
           <pc:docMk/>
           <pc:sldMk cId="958437681" sldId="26413"/>
         </pc:sldMkLst>
         <pc:spChg chg="mod">
-          <ac:chgData name="Graf Thomas, INI-NET-TCZ-ZH1" userId="487bc3e3-9ce7-4cdd-b7b4-8899ea88d289" providerId="ADAL" clId="{7C1D34EF-CEA2-4154-BF78-1DCB1789E4C5}" dt="2022-07-28T15:08:20.663" v="9" actId="20577"/>
+          <ac:chgData name="Graf Thomas, INI-NET-VNC-E2E" userId="487bc3e3-9ce7-4cdd-b7b4-8899ea88d289" providerId="ADAL" clId="{0F74785A-D399-4860-8E51-3EBCFA1219B9}" dt="2025-03-06T13:06:46.859" v="223" actId="20577"/>
           <ac:spMkLst>
             <pc:docMk/>
             <pc:sldMk cId="958437681" sldId="26413"/>
-            <ac:spMk id="7" creationId="{BF6DCC5D-2508-4A9B-B734-C8C5147F93FB}"/>
-          </ac:spMkLst>
-        </pc:spChg>
-        <pc:picChg chg="add del">
-          <ac:chgData name="Graf Thomas, INI-NET-TCZ-ZH1" userId="487bc3e3-9ce7-4cdd-b7b4-8899ea88d289" providerId="ADAL" clId="{7C1D34EF-CEA2-4154-BF78-1DCB1789E4C5}" dt="2022-07-28T15:13:50.913" v="30" actId="22"/>
-          <ac:picMkLst>
+            <ac:spMk id="3" creationId="{29C0DFD4-432D-4B0C-93DF-790441DCF5B9}"/>
+          </ac:spMkLst>
+        </pc:spChg>
+        <pc:spChg chg="mod">
+          <ac:chgData name="Graf Thomas, INI-NET-VNC-E2E" userId="487bc3e3-9ce7-4cdd-b7b4-8899ea88d289" providerId="ADAL" clId="{0F74785A-D399-4860-8E51-3EBCFA1219B9}" dt="2025-03-06T13:06:35.637" v="222" actId="20577"/>
+          <ac:spMkLst>
             <pc:docMk/>
             <pc:sldMk cId="958437681" sldId="26413"/>
-            <ac:picMk id="5" creationId="{DFF0268C-A4B5-42E5-BB84-1E7CCA77A167}"/>
-          </ac:picMkLst>
-        </pc:picChg>
+            <ac:spMk id="4" creationId="{379EB07A-5D4A-0443-6963-4EF909AAC4B3}"/>
+          </ac:spMkLst>
+        </pc:spChg>
       </pc:sldChg>
     </pc:docChg>
   </pc:docChgLst>
@@ -1100,161 +1091,6 @@
     </pc:docChg>
   </pc:docChgLst>
   <pc:docChgLst>
-    <pc:chgData name="Graf Thomas, INI-NET-VNC-HCS" userId="487bc3e3-9ce7-4cdd-b7b4-8899ea88d289" providerId="ADAL" clId="{38EE2269-F98F-4B6A-AE5E-B8625D73B629}"/>
-    <pc:docChg chg="undo custSel addSld delSld modSld">
-      <pc:chgData name="Graf Thomas, INI-NET-VNC-HCS" userId="487bc3e3-9ce7-4cdd-b7b4-8899ea88d289" providerId="ADAL" clId="{38EE2269-F98F-4B6A-AE5E-B8625D73B629}" dt="2024-07-22T22:34:00.530" v="892" actId="207"/>
-      <pc:docMkLst>
-        <pc:docMk/>
-      </pc:docMkLst>
-      <pc:sldChg chg="modSp mod">
-        <pc:chgData name="Graf Thomas, INI-NET-VNC-HCS" userId="487bc3e3-9ce7-4cdd-b7b4-8899ea88d289" providerId="ADAL" clId="{38EE2269-F98F-4B6A-AE5E-B8625D73B629}" dt="2024-07-22T22:34:00.530" v="892" actId="207"/>
-        <pc:sldMkLst>
-          <pc:docMk/>
-          <pc:sldMk cId="3578665336" sldId="1041"/>
-        </pc:sldMkLst>
-        <pc:spChg chg="mod">
-          <ac:chgData name="Graf Thomas, INI-NET-VNC-HCS" userId="487bc3e3-9ce7-4cdd-b7b4-8899ea88d289" providerId="ADAL" clId="{38EE2269-F98F-4B6A-AE5E-B8625D73B629}" dt="2024-07-22T22:34:00.530" v="892" actId="207"/>
-          <ac:spMkLst>
-            <pc:docMk/>
-            <pc:sldMk cId="3578665336" sldId="1041"/>
-            <ac:spMk id="5" creationId="{C26208B2-0D10-4C23-B2DE-372A62E98644}"/>
-          </ac:spMkLst>
-        </pc:spChg>
-        <pc:spChg chg="mod">
-          <ac:chgData name="Graf Thomas, INI-NET-VNC-HCS" userId="487bc3e3-9ce7-4cdd-b7b4-8899ea88d289" providerId="ADAL" clId="{38EE2269-F98F-4B6A-AE5E-B8625D73B629}" dt="2024-07-22T22:24:58.994" v="835" actId="20577"/>
-          <ac:spMkLst>
-            <pc:docMk/>
-            <pc:sldMk cId="3578665336" sldId="1041"/>
-            <ac:spMk id="6" creationId="{6CAA0765-1318-4A03-8F91-D3ECC43D8FA7}"/>
-          </ac:spMkLst>
-        </pc:spChg>
-      </pc:sldChg>
-      <pc:sldChg chg="modSp mod">
-        <pc:chgData name="Graf Thomas, INI-NET-VNC-HCS" userId="487bc3e3-9ce7-4cdd-b7b4-8899ea88d289" providerId="ADAL" clId="{38EE2269-F98F-4B6A-AE5E-B8625D73B629}" dt="2024-07-22T22:30:47.911" v="890" actId="20577"/>
-        <pc:sldMkLst>
-          <pc:docMk/>
-          <pc:sldMk cId="958437681" sldId="26413"/>
-        </pc:sldMkLst>
-        <pc:spChg chg="mod">
-          <ac:chgData name="Graf Thomas, INI-NET-VNC-HCS" userId="487bc3e3-9ce7-4cdd-b7b4-8899ea88d289" providerId="ADAL" clId="{38EE2269-F98F-4B6A-AE5E-B8625D73B629}" dt="2024-07-22T22:27:10.428" v="873" actId="20577"/>
-          <ac:spMkLst>
-            <pc:docMk/>
-            <pc:sldMk cId="958437681" sldId="26413"/>
-            <ac:spMk id="2" creationId="{FF20F271-6F0D-4AC0-BB1D-F5C338165C13}"/>
-          </ac:spMkLst>
-        </pc:spChg>
-        <pc:spChg chg="mod">
-          <ac:chgData name="Graf Thomas, INI-NET-VNC-HCS" userId="487bc3e3-9ce7-4cdd-b7b4-8899ea88d289" providerId="ADAL" clId="{38EE2269-F98F-4B6A-AE5E-B8625D73B629}" dt="2024-07-22T22:30:47.911" v="890" actId="20577"/>
-          <ac:spMkLst>
-            <pc:docMk/>
-            <pc:sldMk cId="958437681" sldId="26413"/>
-            <ac:spMk id="3" creationId="{29C0DFD4-432D-4B0C-93DF-790441DCF5B9}"/>
-          </ac:spMkLst>
-        </pc:spChg>
-        <pc:spChg chg="mod">
-          <ac:chgData name="Graf Thomas, INI-NET-VNC-HCS" userId="487bc3e3-9ce7-4cdd-b7b4-8899ea88d289" providerId="ADAL" clId="{38EE2269-F98F-4B6A-AE5E-B8625D73B629}" dt="2024-07-22T22:27:20.472" v="880" actId="20577"/>
-          <ac:spMkLst>
-            <pc:docMk/>
-            <pc:sldMk cId="958437681" sldId="26413"/>
-            <ac:spMk id="4" creationId="{379EB07A-5D4A-0443-6963-4EF909AAC4B3}"/>
-          </ac:spMkLst>
-        </pc:spChg>
-        <pc:spChg chg="mod">
-          <ac:chgData name="Graf Thomas, INI-NET-VNC-HCS" userId="487bc3e3-9ce7-4cdd-b7b4-8899ea88d289" providerId="ADAL" clId="{38EE2269-F98F-4B6A-AE5E-B8625D73B629}" dt="2024-07-16T07:35:08.294" v="687" actId="790"/>
-          <ac:spMkLst>
-            <pc:docMk/>
-            <pc:sldMk cId="958437681" sldId="26413"/>
-            <ac:spMk id="16" creationId="{4D0044F8-1C12-4A59-883A-7B56B9370029}"/>
-          </ac:spMkLst>
-        </pc:spChg>
-      </pc:sldChg>
-      <pc:sldChg chg="del">
-        <pc:chgData name="Graf Thomas, INI-NET-VNC-HCS" userId="487bc3e3-9ce7-4cdd-b7b4-8899ea88d289" providerId="ADAL" clId="{38EE2269-F98F-4B6A-AE5E-B8625D73B629}" dt="2024-07-16T06:58:35.071" v="14" actId="47"/>
-        <pc:sldMkLst>
-          <pc:docMk/>
-          <pc:sldMk cId="3708108621" sldId="26416"/>
-        </pc:sldMkLst>
-      </pc:sldChg>
-      <pc:sldChg chg="add del">
-        <pc:chgData name="Graf Thomas, INI-NET-VNC-HCS" userId="487bc3e3-9ce7-4cdd-b7b4-8899ea88d289" providerId="ADAL" clId="{38EE2269-F98F-4B6A-AE5E-B8625D73B629}" dt="2024-07-16T06:58:20.112" v="7" actId="47"/>
-        <pc:sldMkLst>
-          <pc:docMk/>
-          <pc:sldMk cId="225637815" sldId="26417"/>
-        </pc:sldMkLst>
-      </pc:sldChg>
-    </pc:docChg>
-  </pc:docChgLst>
-  <pc:docChgLst>
-    <pc:chgData name="Graf Thomas, INI-NET-VNC-HCS" userId="487bc3e3-9ce7-4cdd-b7b4-8899ea88d289" providerId="ADAL" clId="{9017E611-F6E5-45E5-9BC5-410F9EDC6A92}"/>
-    <pc:docChg chg="modSld">
-      <pc:chgData name="Graf Thomas, INI-NET-VNC-HCS" userId="487bc3e3-9ce7-4cdd-b7b4-8899ea88d289" providerId="ADAL" clId="{9017E611-F6E5-45E5-9BC5-410F9EDC6A92}" dt="2023-07-24T20:09:15.911" v="72" actId="20577"/>
-      <pc:docMkLst>
-        <pc:docMk/>
-      </pc:docMkLst>
-      <pc:sldChg chg="modSp mod">
-        <pc:chgData name="Graf Thomas, INI-NET-VNC-HCS" userId="487bc3e3-9ce7-4cdd-b7b4-8899ea88d289" providerId="ADAL" clId="{9017E611-F6E5-45E5-9BC5-410F9EDC6A92}" dt="2023-07-24T20:08:34.922" v="37" actId="20577"/>
-        <pc:sldMkLst>
-          <pc:docMk/>
-          <pc:sldMk cId="3578665336" sldId="1041"/>
-        </pc:sldMkLst>
-        <pc:spChg chg="mod">
-          <ac:chgData name="Graf Thomas, INI-NET-VNC-HCS" userId="487bc3e3-9ce7-4cdd-b7b4-8899ea88d289" providerId="ADAL" clId="{9017E611-F6E5-45E5-9BC5-410F9EDC6A92}" dt="2023-07-24T20:08:34.922" v="37" actId="20577"/>
-          <ac:spMkLst>
-            <pc:docMk/>
-            <pc:sldMk cId="3578665336" sldId="1041"/>
-            <ac:spMk id="6" creationId="{6CAA0765-1318-4A03-8F91-D3ECC43D8FA7}"/>
-          </ac:spMkLst>
-        </pc:spChg>
-      </pc:sldChg>
-      <pc:sldChg chg="modSp mod">
-        <pc:chgData name="Graf Thomas, INI-NET-VNC-HCS" userId="487bc3e3-9ce7-4cdd-b7b4-8899ea88d289" providerId="ADAL" clId="{9017E611-F6E5-45E5-9BC5-410F9EDC6A92}" dt="2023-07-24T20:09:15.911" v="72" actId="20577"/>
-        <pc:sldMkLst>
-          <pc:docMk/>
-          <pc:sldMk cId="958437681" sldId="26413"/>
-        </pc:sldMkLst>
-        <pc:spChg chg="mod">
-          <ac:chgData name="Graf Thomas, INI-NET-VNC-HCS" userId="487bc3e3-9ce7-4cdd-b7b4-8899ea88d289" providerId="ADAL" clId="{9017E611-F6E5-45E5-9BC5-410F9EDC6A92}" dt="2023-07-24T20:09:08.476" v="70" actId="6549"/>
-          <ac:spMkLst>
-            <pc:docMk/>
-            <pc:sldMk cId="958437681" sldId="26413"/>
-            <ac:spMk id="3" creationId="{29C0DFD4-432D-4B0C-93DF-790441DCF5B9}"/>
-          </ac:spMkLst>
-        </pc:spChg>
-        <pc:spChg chg="mod">
-          <ac:chgData name="Graf Thomas, INI-NET-VNC-HCS" userId="487bc3e3-9ce7-4cdd-b7b4-8899ea88d289" providerId="ADAL" clId="{9017E611-F6E5-45E5-9BC5-410F9EDC6A92}" dt="2023-07-24T20:09:15.911" v="72" actId="20577"/>
-          <ac:spMkLst>
-            <pc:docMk/>
-            <pc:sldMk cId="958437681" sldId="26413"/>
-            <ac:spMk id="4" creationId="{379EB07A-5D4A-0443-6963-4EF909AAC4B3}"/>
-          </ac:spMkLst>
-        </pc:spChg>
-      </pc:sldChg>
-      <pc:sldChg chg="modSp mod">
-        <pc:chgData name="Graf Thomas, INI-NET-VNC-HCS" userId="487bc3e3-9ce7-4cdd-b7b4-8899ea88d289" providerId="ADAL" clId="{9017E611-F6E5-45E5-9BC5-410F9EDC6A92}" dt="2023-07-24T20:08:53.078" v="65" actId="20577"/>
-        <pc:sldMkLst>
-          <pc:docMk/>
-          <pc:sldMk cId="3708108621" sldId="26416"/>
-        </pc:sldMkLst>
-        <pc:spChg chg="mod">
-          <ac:chgData name="Graf Thomas, INI-NET-VNC-HCS" userId="487bc3e3-9ce7-4cdd-b7b4-8899ea88d289" providerId="ADAL" clId="{9017E611-F6E5-45E5-9BC5-410F9EDC6A92}" dt="2023-07-24T20:08:53.078" v="65" actId="20577"/>
-          <ac:spMkLst>
-            <pc:docMk/>
-            <pc:sldMk cId="3708108621" sldId="26416"/>
-            <ac:spMk id="3" creationId="{29C0DFD4-432D-4B0C-93DF-790441DCF5B9}"/>
-          </ac:spMkLst>
-        </pc:spChg>
-        <pc:spChg chg="mod">
-          <ac:chgData name="Graf Thomas, INI-NET-VNC-HCS" userId="487bc3e3-9ce7-4cdd-b7b4-8899ea88d289" providerId="ADAL" clId="{9017E611-F6E5-45E5-9BC5-410F9EDC6A92}" dt="2023-07-24T20:08:31.093" v="35" actId="20577"/>
-          <ac:spMkLst>
-            <pc:docMk/>
-            <pc:sldMk cId="3708108621" sldId="26416"/>
-            <ac:spMk id="4" creationId="{93744C72-514D-9234-35A7-D1F94B85F4EF}"/>
-          </ac:spMkLst>
-        </pc:spChg>
-      </pc:sldChg>
-    </pc:docChg>
-  </pc:docChgLst>
-  <pc:docChgLst>
     <pc:chgData name="Graf Thomas, INI-NET-VNC-E2E" userId="487bc3e3-9ce7-4cdd-b7b4-8899ea88d289" providerId="ADAL" clId="{15BD13E5-C4ED-4646-B126-1F5967D9DF7B}"/>
     <pc:docChg chg="custSel modSld">
       <pc:chgData name="Graf Thomas, INI-NET-VNC-E2E" userId="487bc3e3-9ce7-4cdd-b7b4-8899ea88d289" providerId="ADAL" clId="{15BD13E5-C4ED-4646-B126-1F5967D9DF7B}" dt="2025-03-01T12:49:29.870" v="310" actId="20577"/>
@@ -1533,6 +1369,233 @@
             <ac:spMk id="6" creationId="{76B60DEE-AB49-47F4-AC01-C954634AD15B}"/>
           </ac:spMkLst>
         </pc:spChg>
+      </pc:sldChg>
+    </pc:docChg>
+  </pc:docChgLst>
+  <pc:docChgLst>
+    <pc:chgData name="Graf Thomas, INI-NET-DCF" userId="487bc3e3-9ce7-4cdd-b7b4-8899ea88d289" providerId="ADAL" clId="{36E6DFBC-EB3C-4D3C-97F7-C6A855FFE787}"/>
+    <pc:docChg chg="modSld">
+      <pc:chgData name="Graf Thomas, INI-NET-DCF" userId="487bc3e3-9ce7-4cdd-b7b4-8899ea88d289" providerId="ADAL" clId="{36E6DFBC-EB3C-4D3C-97F7-C6A855FFE787}" dt="2020-07-27T12:02:41.304" v="1" actId="20577"/>
+      <pc:docMkLst>
+        <pc:docMk/>
+      </pc:docMkLst>
+      <pc:sldChg chg="modSp">
+        <pc:chgData name="Graf Thomas, INI-NET-DCF" userId="487bc3e3-9ce7-4cdd-b7b4-8899ea88d289" providerId="ADAL" clId="{36E6DFBC-EB3C-4D3C-97F7-C6A855FFE787}" dt="2020-07-27T12:02:41.304" v="1" actId="20577"/>
+        <pc:sldMkLst>
+          <pc:docMk/>
+          <pc:sldMk cId="3529422000" sldId="1048"/>
+        </pc:sldMkLst>
+        <pc:spChg chg="mod">
+          <ac:chgData name="Graf Thomas, INI-NET-DCF" userId="487bc3e3-9ce7-4cdd-b7b4-8899ea88d289" providerId="ADAL" clId="{36E6DFBC-EB3C-4D3C-97F7-C6A855FFE787}" dt="2020-07-27T12:02:41.304" v="1" actId="20577"/>
+          <ac:spMkLst>
+            <pc:docMk/>
+            <pc:sldMk cId="3529422000" sldId="1048"/>
+            <ac:spMk id="5" creationId="{C26208B2-0D10-4C23-B2DE-372A62E98644}"/>
+          </ac:spMkLst>
+        </pc:spChg>
+      </pc:sldChg>
+    </pc:docChg>
+  </pc:docChgLst>
+  <pc:docChgLst>
+    <pc:chgData name="Graf Thomas, INI-NET-DCF" userId="487bc3e3-9ce7-4cdd-b7b4-8899ea88d289" providerId="ADAL" clId="{D2D88D83-EF10-408A-A9AE-EEA2F4BC3522}"/>
+    <pc:docChg chg="custSel modSld">
+      <pc:chgData name="Graf Thomas, INI-NET-DCF" userId="487bc3e3-9ce7-4cdd-b7b4-8899ea88d289" providerId="ADAL" clId="{D2D88D83-EF10-408A-A9AE-EEA2F4BC3522}" dt="2020-06-13T11:16:48.674" v="47" actId="478"/>
+      <pc:docMkLst>
+        <pc:docMk/>
+      </pc:docMkLst>
+      <pc:sldChg chg="modSp">
+        <pc:chgData name="Graf Thomas, INI-NET-DCF" userId="487bc3e3-9ce7-4cdd-b7b4-8899ea88d289" providerId="ADAL" clId="{D2D88D83-EF10-408A-A9AE-EEA2F4BC3522}" dt="2020-06-13T11:08:48.535" v="11" actId="20577"/>
+        <pc:sldMkLst>
+          <pc:docMk/>
+          <pc:sldMk cId="3578665336" sldId="1041"/>
+        </pc:sldMkLst>
+        <pc:spChg chg="mod">
+          <ac:chgData name="Graf Thomas, INI-NET-DCF" userId="487bc3e3-9ce7-4cdd-b7b4-8899ea88d289" providerId="ADAL" clId="{D2D88D83-EF10-408A-A9AE-EEA2F4BC3522}" dt="2020-06-13T11:08:48.535" v="11" actId="20577"/>
+          <ac:spMkLst>
+            <pc:docMk/>
+            <pc:sldMk cId="3578665336" sldId="1041"/>
+            <ac:spMk id="6" creationId="{76B60DEE-AB49-47F4-AC01-C954634AD15B}"/>
+          </ac:spMkLst>
+        </pc:spChg>
+      </pc:sldChg>
+      <pc:sldChg chg="addSp delSp modSp">
+        <pc:chgData name="Graf Thomas, INI-NET-DCF" userId="487bc3e3-9ce7-4cdd-b7b4-8899ea88d289" providerId="ADAL" clId="{D2D88D83-EF10-408A-A9AE-EEA2F4BC3522}" dt="2020-06-13T11:16:48.674" v="47" actId="478"/>
+        <pc:sldMkLst>
+          <pc:docMk/>
+          <pc:sldMk cId="4005888238" sldId="1046"/>
+        </pc:sldMkLst>
+        <pc:spChg chg="mod">
+          <ac:chgData name="Graf Thomas, INI-NET-DCF" userId="487bc3e3-9ce7-4cdd-b7b4-8899ea88d289" providerId="ADAL" clId="{D2D88D83-EF10-408A-A9AE-EEA2F4BC3522}" dt="2020-06-13T11:09:08.297" v="12" actId="33524"/>
+          <ac:spMkLst>
+            <pc:docMk/>
+            <pc:sldMk cId="4005888238" sldId="1046"/>
+            <ac:spMk id="3" creationId="{29C0DFD4-432D-4B0C-93DF-790441DCF5B9}"/>
+          </ac:spMkLst>
+        </pc:spChg>
+        <pc:spChg chg="mod">
+          <ac:chgData name="Graf Thomas, INI-NET-DCF" userId="487bc3e3-9ce7-4cdd-b7b4-8899ea88d289" providerId="ADAL" clId="{D2D88D83-EF10-408A-A9AE-EEA2F4BC3522}" dt="2020-06-13T11:15:30.435" v="34" actId="14100"/>
+          <ac:spMkLst>
+            <pc:docMk/>
+            <pc:sldMk cId="4005888238" sldId="1046"/>
+            <ac:spMk id="17" creationId="{3A749B68-71C0-48BE-AEC2-F59082F0DB29}"/>
+          </ac:spMkLst>
+        </pc:spChg>
+        <pc:spChg chg="mod">
+          <ac:chgData name="Graf Thomas, INI-NET-DCF" userId="487bc3e3-9ce7-4cdd-b7b4-8899ea88d289" providerId="ADAL" clId="{D2D88D83-EF10-408A-A9AE-EEA2F4BC3522}" dt="2020-06-13T11:15:32.890" v="35" actId="14100"/>
+          <ac:spMkLst>
+            <pc:docMk/>
+            <pc:sldMk cId="4005888238" sldId="1046"/>
+            <ac:spMk id="19" creationId="{6980766F-6C98-4BA9-847A-7685BC1CF66D}"/>
+          </ac:spMkLst>
+        </pc:spChg>
+        <pc:spChg chg="mod">
+          <ac:chgData name="Graf Thomas, INI-NET-DCF" userId="487bc3e3-9ce7-4cdd-b7b4-8899ea88d289" providerId="ADAL" clId="{D2D88D83-EF10-408A-A9AE-EEA2F4BC3522}" dt="2020-06-13T11:16:09.318" v="40" actId="14100"/>
+          <ac:spMkLst>
+            <pc:docMk/>
+            <pc:sldMk cId="4005888238" sldId="1046"/>
+            <ac:spMk id="20" creationId="{AB282471-93EB-426D-A00D-74CF8E43C8B1}"/>
+          </ac:spMkLst>
+        </pc:spChg>
+        <pc:spChg chg="mod">
+          <ac:chgData name="Graf Thomas, INI-NET-DCF" userId="487bc3e3-9ce7-4cdd-b7b4-8899ea88d289" providerId="ADAL" clId="{D2D88D83-EF10-408A-A9AE-EEA2F4BC3522}" dt="2020-06-13T11:16:06.012" v="38" actId="14100"/>
+          <ac:spMkLst>
+            <pc:docMk/>
+            <pc:sldMk cId="4005888238" sldId="1046"/>
+            <ac:spMk id="21" creationId="{9398FE24-ED6E-48F4-B7D6-B59764DFE773}"/>
+          </ac:spMkLst>
+        </pc:spChg>
+        <pc:spChg chg="mod">
+          <ac:chgData name="Graf Thomas, INI-NET-DCF" userId="487bc3e3-9ce7-4cdd-b7b4-8899ea88d289" providerId="ADAL" clId="{D2D88D83-EF10-408A-A9AE-EEA2F4BC3522}" dt="2020-06-13T11:16:03.740" v="37" actId="14100"/>
+          <ac:spMkLst>
+            <pc:docMk/>
+            <pc:sldMk cId="4005888238" sldId="1046"/>
+            <ac:spMk id="22" creationId="{CDD81C07-5F4F-4F36-9821-B8674C794890}"/>
+          </ac:spMkLst>
+        </pc:spChg>
+        <pc:spChg chg="mod">
+          <ac:chgData name="Graf Thomas, INI-NET-DCF" userId="487bc3e3-9ce7-4cdd-b7b4-8899ea88d289" providerId="ADAL" clId="{D2D88D83-EF10-408A-A9AE-EEA2F4BC3522}" dt="2020-06-13T11:15:36.084" v="36" actId="14100"/>
+          <ac:spMkLst>
+            <pc:docMk/>
+            <pc:sldMk cId="4005888238" sldId="1046"/>
+            <ac:spMk id="23" creationId="{9CFD2FD5-7390-4BA6-905C-64474D60494A}"/>
+          </ac:spMkLst>
+        </pc:spChg>
+        <pc:cxnChg chg="add del mod">
+          <ac:chgData name="Graf Thomas, INI-NET-DCF" userId="487bc3e3-9ce7-4cdd-b7b4-8899ea88d289" providerId="ADAL" clId="{D2D88D83-EF10-408A-A9AE-EEA2F4BC3522}" dt="2020-06-13T11:16:30.836" v="43" actId="478"/>
+          <ac:cxnSpMkLst>
+            <pc:docMk/>
+            <pc:sldMk cId="4005888238" sldId="1046"/>
+            <ac:cxnSpMk id="29" creationId="{E594F5AA-B9BB-4DE7-B2A3-7566320256B3}"/>
+          </ac:cxnSpMkLst>
+        </pc:cxnChg>
+        <pc:cxnChg chg="add del mod">
+          <ac:chgData name="Graf Thomas, INI-NET-DCF" userId="487bc3e3-9ce7-4cdd-b7b4-8899ea88d289" providerId="ADAL" clId="{D2D88D83-EF10-408A-A9AE-EEA2F4BC3522}" dt="2020-06-13T11:16:48.674" v="47" actId="478"/>
+          <ac:cxnSpMkLst>
+            <pc:docMk/>
+            <pc:sldMk cId="4005888238" sldId="1046"/>
+            <ac:cxnSpMk id="30" creationId="{B7A7383F-DE4A-4281-A40B-35EAF0EE26D9}"/>
+          </ac:cxnSpMkLst>
+        </pc:cxnChg>
+      </pc:sldChg>
+      <pc:sldChg chg="modSp">
+        <pc:chgData name="Graf Thomas, INI-NET-DCF" userId="487bc3e3-9ce7-4cdd-b7b4-8899ea88d289" providerId="ADAL" clId="{D2D88D83-EF10-408A-A9AE-EEA2F4BC3522}" dt="2020-06-13T11:09:36.597" v="24" actId="20577"/>
+        <pc:sldMkLst>
+          <pc:docMk/>
+          <pc:sldMk cId="3529422000" sldId="1048"/>
+        </pc:sldMkLst>
+        <pc:spChg chg="mod">
+          <ac:chgData name="Graf Thomas, INI-NET-DCF" userId="487bc3e3-9ce7-4cdd-b7b4-8899ea88d289" providerId="ADAL" clId="{D2D88D83-EF10-408A-A9AE-EEA2F4BC3522}" dt="2020-06-13T11:09:36.597" v="24" actId="20577"/>
+          <ac:spMkLst>
+            <pc:docMk/>
+            <pc:sldMk cId="3529422000" sldId="1048"/>
+            <ac:spMk id="6" creationId="{76B60DEE-AB49-47F4-AC01-C954634AD15B}"/>
+          </ac:spMkLst>
+        </pc:spChg>
+      </pc:sldChg>
+    </pc:docChg>
+  </pc:docChgLst>
+  <pc:docChgLst>
+    <pc:chgData name="Graf Thomas, INI-NET-VNC-HCS" userId="487bc3e3-9ce7-4cdd-b7b4-8899ea88d289" providerId="ADAL" clId="{38EE2269-F98F-4B6A-AE5E-B8625D73B629}"/>
+    <pc:docChg chg="undo custSel addSld delSld modSld">
+      <pc:chgData name="Graf Thomas, INI-NET-VNC-HCS" userId="487bc3e3-9ce7-4cdd-b7b4-8899ea88d289" providerId="ADAL" clId="{38EE2269-F98F-4B6A-AE5E-B8625D73B629}" dt="2024-07-22T22:34:00.530" v="892" actId="207"/>
+      <pc:docMkLst>
+        <pc:docMk/>
+      </pc:docMkLst>
+      <pc:sldChg chg="modSp mod">
+        <pc:chgData name="Graf Thomas, INI-NET-VNC-HCS" userId="487bc3e3-9ce7-4cdd-b7b4-8899ea88d289" providerId="ADAL" clId="{38EE2269-F98F-4B6A-AE5E-B8625D73B629}" dt="2024-07-22T22:34:00.530" v="892" actId="207"/>
+        <pc:sldMkLst>
+          <pc:docMk/>
+          <pc:sldMk cId="3578665336" sldId="1041"/>
+        </pc:sldMkLst>
+        <pc:spChg chg="mod">
+          <ac:chgData name="Graf Thomas, INI-NET-VNC-HCS" userId="487bc3e3-9ce7-4cdd-b7b4-8899ea88d289" providerId="ADAL" clId="{38EE2269-F98F-4B6A-AE5E-B8625D73B629}" dt="2024-07-22T22:34:00.530" v="892" actId="207"/>
+          <ac:spMkLst>
+            <pc:docMk/>
+            <pc:sldMk cId="3578665336" sldId="1041"/>
+            <ac:spMk id="5" creationId="{C26208B2-0D10-4C23-B2DE-372A62E98644}"/>
+          </ac:spMkLst>
+        </pc:spChg>
+        <pc:spChg chg="mod">
+          <ac:chgData name="Graf Thomas, INI-NET-VNC-HCS" userId="487bc3e3-9ce7-4cdd-b7b4-8899ea88d289" providerId="ADAL" clId="{38EE2269-F98F-4B6A-AE5E-B8625D73B629}" dt="2024-07-22T22:24:58.994" v="835" actId="20577"/>
+          <ac:spMkLst>
+            <pc:docMk/>
+            <pc:sldMk cId="3578665336" sldId="1041"/>
+            <ac:spMk id="6" creationId="{6CAA0765-1318-4A03-8F91-D3ECC43D8FA7}"/>
+          </ac:spMkLst>
+        </pc:spChg>
+      </pc:sldChg>
+      <pc:sldChg chg="modSp mod">
+        <pc:chgData name="Graf Thomas, INI-NET-VNC-HCS" userId="487bc3e3-9ce7-4cdd-b7b4-8899ea88d289" providerId="ADAL" clId="{38EE2269-F98F-4B6A-AE5E-B8625D73B629}" dt="2024-07-22T22:30:47.911" v="890" actId="20577"/>
+        <pc:sldMkLst>
+          <pc:docMk/>
+          <pc:sldMk cId="958437681" sldId="26413"/>
+        </pc:sldMkLst>
+        <pc:spChg chg="mod">
+          <ac:chgData name="Graf Thomas, INI-NET-VNC-HCS" userId="487bc3e3-9ce7-4cdd-b7b4-8899ea88d289" providerId="ADAL" clId="{38EE2269-F98F-4B6A-AE5E-B8625D73B629}" dt="2024-07-22T22:27:10.428" v="873" actId="20577"/>
+          <ac:spMkLst>
+            <pc:docMk/>
+            <pc:sldMk cId="958437681" sldId="26413"/>
+            <ac:spMk id="2" creationId="{FF20F271-6F0D-4AC0-BB1D-F5C338165C13}"/>
+          </ac:spMkLst>
+        </pc:spChg>
+        <pc:spChg chg="mod">
+          <ac:chgData name="Graf Thomas, INI-NET-VNC-HCS" userId="487bc3e3-9ce7-4cdd-b7b4-8899ea88d289" providerId="ADAL" clId="{38EE2269-F98F-4B6A-AE5E-B8625D73B629}" dt="2024-07-22T22:30:47.911" v="890" actId="20577"/>
+          <ac:spMkLst>
+            <pc:docMk/>
+            <pc:sldMk cId="958437681" sldId="26413"/>
+            <ac:spMk id="3" creationId="{29C0DFD4-432D-4B0C-93DF-790441DCF5B9}"/>
+          </ac:spMkLst>
+        </pc:spChg>
+        <pc:spChg chg="mod">
+          <ac:chgData name="Graf Thomas, INI-NET-VNC-HCS" userId="487bc3e3-9ce7-4cdd-b7b4-8899ea88d289" providerId="ADAL" clId="{38EE2269-F98F-4B6A-AE5E-B8625D73B629}" dt="2024-07-22T22:27:20.472" v="880" actId="20577"/>
+          <ac:spMkLst>
+            <pc:docMk/>
+            <pc:sldMk cId="958437681" sldId="26413"/>
+            <ac:spMk id="4" creationId="{379EB07A-5D4A-0443-6963-4EF909AAC4B3}"/>
+          </ac:spMkLst>
+        </pc:spChg>
+        <pc:spChg chg="mod">
+          <ac:chgData name="Graf Thomas, INI-NET-VNC-HCS" userId="487bc3e3-9ce7-4cdd-b7b4-8899ea88d289" providerId="ADAL" clId="{38EE2269-F98F-4B6A-AE5E-B8625D73B629}" dt="2024-07-16T07:35:08.294" v="687" actId="790"/>
+          <ac:spMkLst>
+            <pc:docMk/>
+            <pc:sldMk cId="958437681" sldId="26413"/>
+            <ac:spMk id="16" creationId="{4D0044F8-1C12-4A59-883A-7B56B9370029}"/>
+          </ac:spMkLst>
+        </pc:spChg>
+      </pc:sldChg>
+      <pc:sldChg chg="del">
+        <pc:chgData name="Graf Thomas, INI-NET-VNC-HCS" userId="487bc3e3-9ce7-4cdd-b7b4-8899ea88d289" providerId="ADAL" clId="{38EE2269-F98F-4B6A-AE5E-B8625D73B629}" dt="2024-07-16T06:58:35.071" v="14" actId="47"/>
+        <pc:sldMkLst>
+          <pc:docMk/>
+          <pc:sldMk cId="3708108621" sldId="26416"/>
+        </pc:sldMkLst>
+      </pc:sldChg>
+      <pc:sldChg chg="add del">
+        <pc:chgData name="Graf Thomas, INI-NET-VNC-HCS" userId="487bc3e3-9ce7-4cdd-b7b4-8899ea88d289" providerId="ADAL" clId="{38EE2269-F98F-4B6A-AE5E-B8625D73B629}" dt="2024-07-16T06:58:20.112" v="7" actId="47"/>
+        <pc:sldMkLst>
+          <pc:docMk/>
+          <pc:sldMk cId="225637815" sldId="26417"/>
+        </pc:sldMkLst>
       </pc:sldChg>
     </pc:docChg>
   </pc:docChgLst>
@@ -1621,7 +1684,7 @@
           <a:p>
             <a:fld id="{E5E705E9-673F-4AC4-B29E-A7B26F3B8523}" type="datetimeFigureOut">
               <a:rPr lang="de-CH" smtClean="0"/>
-              <a:t>01.03.2025</a:t>
+              <a:t>06.03.2025</a:t>
             </a:fld>
             <a:endParaRPr lang="de-CH"/>
           </a:p>
@@ -2038,7 +2101,7 @@
           <a:p>
             <a:fld id="{9E9B238C-2335-4007-98C9-471C02CC43B6}" type="datetimeFigureOut">
               <a:rPr lang="de-CH" smtClean="0"/>
-              <a:t>01.03.2025</a:t>
+              <a:t>06.03.2025</a:t>
             </a:fld>
             <a:endParaRPr lang="de-CH"/>
           </a:p>
@@ -2238,7 +2301,7 @@
           <a:p>
             <a:fld id="{9E9B238C-2335-4007-98C9-471C02CC43B6}" type="datetimeFigureOut">
               <a:rPr lang="de-CH" smtClean="0"/>
-              <a:t>01.03.2025</a:t>
+              <a:t>06.03.2025</a:t>
             </a:fld>
             <a:endParaRPr lang="de-CH"/>
           </a:p>
@@ -2448,7 +2511,7 @@
           <a:p>
             <a:fld id="{9E9B238C-2335-4007-98C9-471C02CC43B6}" type="datetimeFigureOut">
               <a:rPr lang="de-CH" smtClean="0"/>
-              <a:t>01.03.2025</a:t>
+              <a:t>06.03.2025</a:t>
             </a:fld>
             <a:endParaRPr lang="de-CH"/>
           </a:p>
@@ -2648,7 +2711,7 @@
           <a:p>
             <a:fld id="{9E9B238C-2335-4007-98C9-471C02CC43B6}" type="datetimeFigureOut">
               <a:rPr lang="de-CH" smtClean="0"/>
-              <a:t>01.03.2025</a:t>
+              <a:t>06.03.2025</a:t>
             </a:fld>
             <a:endParaRPr lang="de-CH"/>
           </a:p>
@@ -2924,7 +2987,7 @@
           <a:p>
             <a:fld id="{9E9B238C-2335-4007-98C9-471C02CC43B6}" type="datetimeFigureOut">
               <a:rPr lang="de-CH" smtClean="0"/>
-              <a:t>01.03.2025</a:t>
+              <a:t>06.03.2025</a:t>
             </a:fld>
             <a:endParaRPr lang="de-CH"/>
           </a:p>
@@ -3192,7 +3255,7 @@
           <a:p>
             <a:fld id="{9E9B238C-2335-4007-98C9-471C02CC43B6}" type="datetimeFigureOut">
               <a:rPr lang="de-CH" smtClean="0"/>
-              <a:t>01.03.2025</a:t>
+              <a:t>06.03.2025</a:t>
             </a:fld>
             <a:endParaRPr lang="de-CH"/>
           </a:p>
@@ -3607,7 +3670,7 @@
           <a:p>
             <a:fld id="{9E9B238C-2335-4007-98C9-471C02CC43B6}" type="datetimeFigureOut">
               <a:rPr lang="de-CH" smtClean="0"/>
-              <a:t>01.03.2025</a:t>
+              <a:t>06.03.2025</a:t>
             </a:fld>
             <a:endParaRPr lang="de-CH"/>
           </a:p>
@@ -3749,7 +3812,7 @@
           <a:p>
             <a:fld id="{9E9B238C-2335-4007-98C9-471C02CC43B6}" type="datetimeFigureOut">
               <a:rPr lang="de-CH" smtClean="0"/>
-              <a:t>01.03.2025</a:t>
+              <a:t>06.03.2025</a:t>
             </a:fld>
             <a:endParaRPr lang="de-CH"/>
           </a:p>
@@ -3862,7 +3925,7 @@
           <a:p>
             <a:fld id="{9E9B238C-2335-4007-98C9-471C02CC43B6}" type="datetimeFigureOut">
               <a:rPr lang="de-CH" smtClean="0"/>
-              <a:t>01.03.2025</a:t>
+              <a:t>06.03.2025</a:t>
             </a:fld>
             <a:endParaRPr lang="de-CH"/>
           </a:p>
@@ -4175,7 +4238,7 @@
           <a:p>
             <a:fld id="{9E9B238C-2335-4007-98C9-471C02CC43B6}" type="datetimeFigureOut">
               <a:rPr lang="de-CH" smtClean="0"/>
-              <a:t>01.03.2025</a:t>
+              <a:t>06.03.2025</a:t>
             </a:fld>
             <a:endParaRPr lang="de-CH"/>
           </a:p>
@@ -4464,7 +4527,7 @@
           <a:p>
             <a:fld id="{9E9B238C-2335-4007-98C9-471C02CC43B6}" type="datetimeFigureOut">
               <a:rPr lang="de-CH" smtClean="0"/>
-              <a:t>01.03.2025</a:t>
+              <a:t>06.03.2025</a:t>
             </a:fld>
             <a:endParaRPr lang="de-CH"/>
           </a:p>
@@ -4707,7 +4770,7 @@
           <a:p>
             <a:fld id="{9E9B238C-2335-4007-98C9-471C02CC43B6}" type="datetimeFigureOut">
               <a:rPr lang="de-CH" smtClean="0"/>
-              <a:t>01.03.2025</a:t>
+              <a:t>06.03.2025</a:t>
             </a:fld>
             <a:endParaRPr lang="de-CH"/>
           </a:p>
@@ -5192,7 +5255,7 @@
             </a:br>
             <a:r>
               <a:rPr lang="en-US" sz="2800" dirty="0"/>
-              <a:t>draft-opsawg-ipfix-on-path-telemetry-15</a:t>
+              <a:t>draft-opsawg-ipfix-on-path-telemetry-17</a:t>
             </a:r>
           </a:p>
           <a:p>
@@ -5540,7 +5603,7 @@
               <a:rPr lang="de-CH" sz="3800" dirty="0">
                 <a:latin typeface="+mj-lt"/>
               </a:rPr>
-              <a:t>1. March 2025</a:t>
+              <a:t>6. March 2025</a:t>
             </a:r>
           </a:p>
           <a:p>
@@ -5787,7 +5850,7 @@
                 <a:ea typeface="Times New Roman" panose="02020603050405020304" pitchFamily="18" charset="0"/>
                 <a:cs typeface="Aptos" panose="020B0004020202020204" pitchFamily="34" charset="0"/>
               </a:rPr>
-              <a:t>-characterization in -15.</a:t>
+              <a:t>-characterization in -16.</a:t>
             </a:r>
           </a:p>
           <a:p>
@@ -5808,7 +5871,95 @@
                 <a:ea typeface="Yu Gothic" panose="020B0400000000000000" pitchFamily="34" charset="-128"/>
                 <a:cs typeface="Aptos" panose="020B0004020202020204" pitchFamily="34" charset="0"/>
               </a:rPr>
-              <a:t>Giuseppe Fioccola volunteer shepherding. Thanks a lot!</a:t>
+              <a:t>Thanks Giuseppe Fioccola for shepherd write up. </a:t>
+            </a:r>
+            <a:r>
+              <a:rPr lang="de-CH" sz="1800" dirty="0" err="1">
+                <a:solidFill>
+                  <a:srgbClr val="0E2841"/>
+                </a:solidFill>
+                <a:latin typeface="Trebuchet MS" panose="020B0603020202020204" pitchFamily="34" charset="0"/>
+                <a:ea typeface="Yu Gothic" panose="020B0400000000000000" pitchFamily="34" charset="-128"/>
+                <a:cs typeface="Aptos" panose="020B0004020202020204" pitchFamily="34" charset="0"/>
+              </a:rPr>
+              <a:t>Changed</a:t>
+            </a:r>
+            <a:r>
+              <a:rPr lang="de-CH" sz="1800" dirty="0">
+                <a:solidFill>
+                  <a:srgbClr val="0E2841"/>
+                </a:solidFill>
+                <a:latin typeface="Trebuchet MS" panose="020B0603020202020204" pitchFamily="34" charset="0"/>
+                <a:ea typeface="Yu Gothic" panose="020B0400000000000000" pitchFamily="34" charset="-128"/>
+                <a:cs typeface="Aptos" panose="020B0004020202020204" pitchFamily="34" charset="0"/>
+              </a:rPr>
+              <a:t> RFC 7799 </a:t>
+            </a:r>
+            <a:r>
+              <a:rPr lang="de-CH" sz="1800" dirty="0" err="1">
+                <a:solidFill>
+                  <a:srgbClr val="0E2841"/>
+                </a:solidFill>
+                <a:latin typeface="Trebuchet MS" panose="020B0603020202020204" pitchFamily="34" charset="0"/>
+                <a:ea typeface="Yu Gothic" panose="020B0400000000000000" pitchFamily="34" charset="-128"/>
+                <a:cs typeface="Aptos" panose="020B0004020202020204" pitchFamily="34" charset="0"/>
+              </a:rPr>
+              <a:t>reference</a:t>
+            </a:r>
+            <a:r>
+              <a:rPr lang="de-CH" sz="1800" dirty="0">
+                <a:solidFill>
+                  <a:srgbClr val="0E2841"/>
+                </a:solidFill>
+                <a:latin typeface="Trebuchet MS" panose="020B0603020202020204" pitchFamily="34" charset="0"/>
+                <a:ea typeface="Yu Gothic" panose="020B0400000000000000" pitchFamily="34" charset="-128"/>
+                <a:cs typeface="Aptos" panose="020B0004020202020204" pitchFamily="34" charset="0"/>
+              </a:rPr>
+              <a:t> </a:t>
+            </a:r>
+            <a:r>
+              <a:rPr lang="de-CH" sz="1800" dirty="0" err="1">
+                <a:solidFill>
+                  <a:srgbClr val="0E2841"/>
+                </a:solidFill>
+                <a:latin typeface="Trebuchet MS" panose="020B0603020202020204" pitchFamily="34" charset="0"/>
+                <a:ea typeface="Yu Gothic" panose="020B0400000000000000" pitchFamily="34" charset="-128"/>
+                <a:cs typeface="Aptos" panose="020B0004020202020204" pitchFamily="34" charset="0"/>
+              </a:rPr>
+              <a:t>from</a:t>
+            </a:r>
+            <a:r>
+              <a:rPr lang="de-CH" sz="1800" dirty="0">
+                <a:solidFill>
+                  <a:srgbClr val="0E2841"/>
+                </a:solidFill>
+                <a:latin typeface="Trebuchet MS" panose="020B0603020202020204" pitchFamily="34" charset="0"/>
+                <a:ea typeface="Yu Gothic" panose="020B0400000000000000" pitchFamily="34" charset="-128"/>
+                <a:cs typeface="Aptos" panose="020B0004020202020204" pitchFamily="34" charset="0"/>
+              </a:rPr>
+              <a:t> normative </a:t>
+            </a:r>
+            <a:r>
+              <a:rPr lang="de-CH" sz="1800" dirty="0" err="1">
+                <a:solidFill>
+                  <a:srgbClr val="0E2841"/>
+                </a:solidFill>
+                <a:latin typeface="Trebuchet MS" panose="020B0603020202020204" pitchFamily="34" charset="0"/>
+                <a:ea typeface="Yu Gothic" panose="020B0400000000000000" pitchFamily="34" charset="-128"/>
+                <a:cs typeface="Aptos" panose="020B0004020202020204" pitchFamily="34" charset="0"/>
+              </a:rPr>
+              <a:t>to</a:t>
+            </a:r>
+            <a:r>
+              <a:rPr lang="de-CH" sz="1800" dirty="0">
+                <a:solidFill>
+                  <a:srgbClr val="0E2841"/>
+                </a:solidFill>
+                <a:latin typeface="Trebuchet MS" panose="020B0603020202020204" pitchFamily="34" charset="0"/>
+                <a:ea typeface="Yu Gothic" panose="020B0400000000000000" pitchFamily="34" charset="-128"/>
+                <a:cs typeface="Aptos" panose="020B0004020202020204" pitchFamily="34" charset="0"/>
+              </a:rPr>
+              <a:t> informative in -17.</a:t>
             </a:r>
             <a:endParaRPr lang="de-CH" sz="1800" dirty="0">
               <a:solidFill>
@@ -5855,7 +6006,19 @@
               <a:rPr lang="en-US" sz="2000" dirty="0">
                 <a:latin typeface="Calibri" panose="020F0502020204030204" pitchFamily="34" charset="0"/>
               </a:rPr>
-              <a:t>Looking forward to shepherd write up and moving forward to IESG.</a:t>
+              <a:t>Looking </a:t>
+            </a:r>
+            <a:r>
+              <a:rPr lang="en-US" sz="2000">
+                <a:latin typeface="Calibri" panose="020F0502020204030204" pitchFamily="34" charset="0"/>
+              </a:rPr>
+              <a:t>forward moving </a:t>
+            </a:r>
+            <a:r>
+              <a:rPr lang="en-US" sz="2000" dirty="0">
+                <a:latin typeface="Calibri" panose="020F0502020204030204" pitchFamily="34" charset="0"/>
+              </a:rPr>
+              <a:t>forward to IESG.</a:t>
             </a:r>
             <a:endParaRPr lang="en-US" sz="2000" dirty="0"/>
           </a:p>
@@ -6186,17 +6349,8 @@
               <a:rPr lang="en-US" sz="3800" dirty="0">
                 <a:latin typeface="+mj-lt"/>
               </a:rPr>
-              <a:t>01. </a:t>
-            </a:r>
-            <a:r>
-              <a:rPr lang="en-US" sz="3800">
-                <a:latin typeface="+mj-lt"/>
-              </a:rPr>
-              <a:t>March 2025</a:t>
-            </a:r>
-            <a:endParaRPr lang="en-US" sz="3800" dirty="0">
-              <a:latin typeface="+mj-lt"/>
-            </a:endParaRPr>
+              <a:t>6. March 2025</a:t>
+            </a:r>
           </a:p>
           <a:p>
             <a:pPr algn="r"/>
